--- a/Query_doc_powerpoint.pptx
+++ b/Query_doc_powerpoint.pptx
@@ -273,7 +273,7 @@
           <a:p>
             <a:fld id="{187D1FB8-51E9-47DD-9C98-97060BCD7647}" type="datetimeFigureOut">
               <a:rPr lang="en-IN" smtClean="0"/>
-              <a:t>18-04-2024</a:t>
+              <a:t>19-04-2024</a:t>
             </a:fld>
             <a:endParaRPr lang="en-IN"/>
           </a:p>
@@ -473,7 +473,7 @@
           <a:p>
             <a:fld id="{187D1FB8-51E9-47DD-9C98-97060BCD7647}" type="datetimeFigureOut">
               <a:rPr lang="en-IN" smtClean="0"/>
-              <a:t>18-04-2024</a:t>
+              <a:t>19-04-2024</a:t>
             </a:fld>
             <a:endParaRPr lang="en-IN"/>
           </a:p>
@@ -683,7 +683,7 @@
           <a:p>
             <a:fld id="{187D1FB8-51E9-47DD-9C98-97060BCD7647}" type="datetimeFigureOut">
               <a:rPr lang="en-IN" smtClean="0"/>
-              <a:t>18-04-2024</a:t>
+              <a:t>19-04-2024</a:t>
             </a:fld>
             <a:endParaRPr lang="en-IN"/>
           </a:p>
@@ -883,7 +883,7 @@
           <a:p>
             <a:fld id="{187D1FB8-51E9-47DD-9C98-97060BCD7647}" type="datetimeFigureOut">
               <a:rPr lang="en-IN" smtClean="0"/>
-              <a:t>18-04-2024</a:t>
+              <a:t>19-04-2024</a:t>
             </a:fld>
             <a:endParaRPr lang="en-IN"/>
           </a:p>
@@ -1159,7 +1159,7 @@
           <a:p>
             <a:fld id="{187D1FB8-51E9-47DD-9C98-97060BCD7647}" type="datetimeFigureOut">
               <a:rPr lang="en-IN" smtClean="0"/>
-              <a:t>18-04-2024</a:t>
+              <a:t>19-04-2024</a:t>
             </a:fld>
             <a:endParaRPr lang="en-IN"/>
           </a:p>
@@ -1427,7 +1427,7 @@
           <a:p>
             <a:fld id="{187D1FB8-51E9-47DD-9C98-97060BCD7647}" type="datetimeFigureOut">
               <a:rPr lang="en-IN" smtClean="0"/>
-              <a:t>18-04-2024</a:t>
+              <a:t>19-04-2024</a:t>
             </a:fld>
             <a:endParaRPr lang="en-IN"/>
           </a:p>
@@ -1842,7 +1842,7 @@
           <a:p>
             <a:fld id="{187D1FB8-51E9-47DD-9C98-97060BCD7647}" type="datetimeFigureOut">
               <a:rPr lang="en-IN" smtClean="0"/>
-              <a:t>18-04-2024</a:t>
+              <a:t>19-04-2024</a:t>
             </a:fld>
             <a:endParaRPr lang="en-IN"/>
           </a:p>
@@ -1984,7 +1984,7 @@
           <a:p>
             <a:fld id="{187D1FB8-51E9-47DD-9C98-97060BCD7647}" type="datetimeFigureOut">
               <a:rPr lang="en-IN" smtClean="0"/>
-              <a:t>18-04-2024</a:t>
+              <a:t>19-04-2024</a:t>
             </a:fld>
             <a:endParaRPr lang="en-IN"/>
           </a:p>
@@ -2097,7 +2097,7 @@
           <a:p>
             <a:fld id="{187D1FB8-51E9-47DD-9C98-97060BCD7647}" type="datetimeFigureOut">
               <a:rPr lang="en-IN" smtClean="0"/>
-              <a:t>18-04-2024</a:t>
+              <a:t>19-04-2024</a:t>
             </a:fld>
             <a:endParaRPr lang="en-IN"/>
           </a:p>
@@ -2410,7 +2410,7 @@
           <a:p>
             <a:fld id="{187D1FB8-51E9-47DD-9C98-97060BCD7647}" type="datetimeFigureOut">
               <a:rPr lang="en-IN" smtClean="0"/>
-              <a:t>18-04-2024</a:t>
+              <a:t>19-04-2024</a:t>
             </a:fld>
             <a:endParaRPr lang="en-IN"/>
           </a:p>
@@ -2699,7 +2699,7 @@
           <a:p>
             <a:fld id="{187D1FB8-51E9-47DD-9C98-97060BCD7647}" type="datetimeFigureOut">
               <a:rPr lang="en-IN" smtClean="0"/>
-              <a:t>18-04-2024</a:t>
+              <a:t>19-04-2024</a:t>
             </a:fld>
             <a:endParaRPr lang="en-IN"/>
           </a:p>
@@ -2942,7 +2942,7 @@
           <a:p>
             <a:fld id="{187D1FB8-51E9-47DD-9C98-97060BCD7647}" type="datetimeFigureOut">
               <a:rPr lang="en-IN" smtClean="0"/>
-              <a:t>18-04-2024</a:t>
+              <a:t>19-04-2024</a:t>
             </a:fld>
             <a:endParaRPr lang="en-IN"/>
           </a:p>
@@ -3617,7 +3617,7 @@
         <p:spPr>
           <a:xfrm>
             <a:off x="899789" y="1027960"/>
-            <a:ext cx="7658100" cy="2209800"/>
+            <a:ext cx="6948764" cy="2005116"/>
           </a:xfrm>
           <a:prstGeom prst="rect">
             <a:avLst/>
@@ -3646,14 +3646,110 @@
         </p:blipFill>
         <p:spPr>
           <a:xfrm>
-            <a:off x="899788" y="4477535"/>
-            <a:ext cx="2322805" cy="1146743"/>
+            <a:off x="899788" y="4185030"/>
+            <a:ext cx="2851800" cy="1407902"/>
           </a:xfrm>
           <a:prstGeom prst="rect">
             <a:avLst/>
           </a:prstGeom>
         </p:spPr>
       </p:pic>
+      <p:sp>
+        <p:nvSpPr>
+          <p:cNvPr id="2" name="TextBox 1">
+            <a:extLst>
+              <a:ext uri="{FF2B5EF4-FFF2-40B4-BE49-F238E27FC236}">
+                <a16:creationId xmlns:a16="http://schemas.microsoft.com/office/drawing/2014/main" id="{7DED9B7C-48DB-4C50-97AB-98BF87FF0B5E}"/>
+              </a:ext>
+            </a:extLst>
+          </p:cNvPr>
+          <p:cNvSpPr txBox="1"/>
+          <p:nvPr/>
+        </p:nvSpPr>
+        <p:spPr>
+          <a:xfrm>
+            <a:off x="964796" y="1089830"/>
+            <a:ext cx="1429304" cy="369332"/>
+          </a:xfrm>
+          <a:prstGeom prst="rect">
+            <a:avLst/>
+          </a:prstGeom>
+          <a:noFill/>
+        </p:spPr>
+        <p:txBody>
+          <a:bodyPr wrap="square" rtlCol="0">
+            <a:spAutoFit/>
+          </a:bodyPr>
+          <a:lstStyle/>
+          <a:p>
+            <a:r>
+              <a:rPr lang="en-US" b="1" dirty="0">
+                <a:solidFill>
+                  <a:schemeClr val="accent1">
+                    <a:lumMod val="50000"/>
+                  </a:schemeClr>
+                </a:solidFill>
+                <a:latin typeface="Times New Roman" panose="02020603050405020304" pitchFamily="18" charset="0"/>
+                <a:cs typeface="Times New Roman" panose="02020603050405020304" pitchFamily="18" charset="0"/>
+              </a:rPr>
+              <a:t>Total Calls :</a:t>
+            </a:r>
+            <a:endParaRPr lang="en-IN" b="1" dirty="0">
+              <a:solidFill>
+                <a:schemeClr val="accent1">
+                  <a:lumMod val="50000"/>
+                </a:schemeClr>
+              </a:solidFill>
+              <a:latin typeface="Times New Roman" panose="02020603050405020304" pitchFamily="18" charset="0"/>
+              <a:cs typeface="Times New Roman" panose="02020603050405020304" pitchFamily="18" charset="0"/>
+            </a:endParaRPr>
+          </a:p>
+        </p:txBody>
+      </p:sp>
+      <p:sp>
+        <p:nvSpPr>
+          <p:cNvPr id="10" name="TextBox 9">
+            <a:extLst>
+              <a:ext uri="{FF2B5EF4-FFF2-40B4-BE49-F238E27FC236}">
+                <a16:creationId xmlns:a16="http://schemas.microsoft.com/office/drawing/2014/main" id="{CE73D5FC-AB59-4FF0-AFBA-4D84B4E937E4}"/>
+              </a:ext>
+            </a:extLst>
+          </p:cNvPr>
+          <p:cNvSpPr txBox="1"/>
+          <p:nvPr/>
+        </p:nvSpPr>
+        <p:spPr>
+          <a:xfrm>
+            <a:off x="828767" y="3722317"/>
+            <a:ext cx="1106565" cy="400110"/>
+          </a:xfrm>
+          <a:prstGeom prst="rect">
+            <a:avLst/>
+          </a:prstGeom>
+          <a:noFill/>
+        </p:spPr>
+        <p:txBody>
+          <a:bodyPr wrap="square" rtlCol="0">
+            <a:spAutoFit/>
+          </a:bodyPr>
+          <a:lstStyle/>
+          <a:p>
+            <a:r>
+              <a:rPr lang="en-US" sz="2000" b="1" dirty="0">
+                <a:solidFill>
+                  <a:srgbClr val="FF0000"/>
+                </a:solidFill>
+              </a:rPr>
+              <a:t>Output :</a:t>
+            </a:r>
+            <a:endParaRPr lang="en-IN" sz="2000" b="1" dirty="0">
+              <a:solidFill>
+                <a:srgbClr val="FF0000"/>
+              </a:solidFill>
+            </a:endParaRPr>
+          </a:p>
+        </p:txBody>
+      </p:sp>
     </p:spTree>
     <p:extLst>
       <p:ext uri="{BB962C8B-B14F-4D97-AF65-F5344CB8AC3E}">
@@ -3941,7 +4037,7 @@
         </p:blipFill>
         <p:spPr>
           <a:xfrm>
-            <a:off x="1214436" y="1004887"/>
+            <a:off x="1112851" y="806074"/>
             <a:ext cx="7634286" cy="3662289"/>
           </a:xfrm>
           <a:prstGeom prst="rect">
@@ -3971,14 +4067,109 @@
         </p:blipFill>
         <p:spPr>
           <a:xfrm>
-            <a:off x="1214436" y="5302745"/>
-            <a:ext cx="2324100" cy="1549400"/>
+            <a:off x="1112851" y="5222874"/>
+            <a:ext cx="2518116" cy="1549400"/>
           </a:xfrm>
           <a:prstGeom prst="rect">
             <a:avLst/>
           </a:prstGeom>
         </p:spPr>
       </p:pic>
+      <p:sp>
+        <p:nvSpPr>
+          <p:cNvPr id="8" name="TextBox 7">
+            <a:extLst>
+              <a:ext uri="{FF2B5EF4-FFF2-40B4-BE49-F238E27FC236}">
+                <a16:creationId xmlns:a16="http://schemas.microsoft.com/office/drawing/2014/main" id="{78CB261E-04B9-40E5-A42A-40B6E10CA875}"/>
+              </a:ext>
+            </a:extLst>
+          </p:cNvPr>
+          <p:cNvSpPr txBox="1"/>
+          <p:nvPr/>
+        </p:nvSpPr>
+        <p:spPr>
+          <a:xfrm>
+            <a:off x="1040931" y="4822764"/>
+            <a:ext cx="1106565" cy="400110"/>
+          </a:xfrm>
+          <a:prstGeom prst="rect">
+            <a:avLst/>
+          </a:prstGeom>
+          <a:noFill/>
+        </p:spPr>
+        <p:txBody>
+          <a:bodyPr wrap="square" rtlCol="0">
+            <a:spAutoFit/>
+          </a:bodyPr>
+          <a:lstStyle/>
+          <a:p>
+            <a:r>
+              <a:rPr lang="en-US" sz="2000" b="1" dirty="0">
+                <a:solidFill>
+                  <a:srgbClr val="FF0000"/>
+                </a:solidFill>
+              </a:rPr>
+              <a:t>Output :</a:t>
+            </a:r>
+            <a:endParaRPr lang="en-IN" sz="2000" b="1" dirty="0">
+              <a:solidFill>
+                <a:srgbClr val="FF0000"/>
+              </a:solidFill>
+            </a:endParaRPr>
+          </a:p>
+        </p:txBody>
+      </p:sp>
+      <p:sp>
+        <p:nvSpPr>
+          <p:cNvPr id="9" name="Rectangle 8">
+            <a:extLst>
+              <a:ext uri="{FF2B5EF4-FFF2-40B4-BE49-F238E27FC236}">
+                <a16:creationId xmlns:a16="http://schemas.microsoft.com/office/drawing/2014/main" id="{A0C6482A-6870-4335-AFC6-17F1EC033767}"/>
+              </a:ext>
+            </a:extLst>
+          </p:cNvPr>
+          <p:cNvSpPr/>
+          <p:nvPr/>
+        </p:nvSpPr>
+        <p:spPr>
+          <a:xfrm>
+            <a:off x="1040931" y="735441"/>
+            <a:ext cx="5180072" cy="369332"/>
+          </a:xfrm>
+          <a:prstGeom prst="rect">
+            <a:avLst/>
+          </a:prstGeom>
+        </p:spPr>
+        <p:txBody>
+          <a:bodyPr wrap="none">
+            <a:spAutoFit/>
+          </a:bodyPr>
+          <a:lstStyle/>
+          <a:p>
+            <a:r>
+              <a:rPr lang="en-US" b="1" dirty="0">
+                <a:solidFill>
+                  <a:schemeClr val="accent1">
+                    <a:lumMod val="50000"/>
+                  </a:schemeClr>
+                </a:solidFill>
+                <a:latin typeface="Times New Roman" panose="02020603050405020304" pitchFamily="18" charset="0"/>
+                <a:cs typeface="Times New Roman" panose="02020603050405020304" pitchFamily="18" charset="0"/>
+              </a:rPr>
+              <a:t>Total Calls, Answered and Resolved call by Agent :</a:t>
+            </a:r>
+            <a:endParaRPr lang="en-IN" b="1" dirty="0">
+              <a:solidFill>
+                <a:schemeClr val="accent1">
+                  <a:lumMod val="50000"/>
+                </a:schemeClr>
+              </a:solidFill>
+              <a:latin typeface="Times New Roman" panose="02020603050405020304" pitchFamily="18" charset="0"/>
+              <a:cs typeface="Times New Roman" panose="02020603050405020304" pitchFamily="18" charset="0"/>
+            </a:endParaRPr>
+          </a:p>
+        </p:txBody>
+      </p:sp>
     </p:spTree>
     <p:extLst>
       <p:ext uri="{BB962C8B-B14F-4D97-AF65-F5344CB8AC3E}">
@@ -4266,7 +4457,7 @@
         </p:blipFill>
         <p:spPr>
           <a:xfrm>
-            <a:off x="1729549" y="1633538"/>
+            <a:off x="1045967" y="1088296"/>
             <a:ext cx="8624887" cy="3094530"/>
           </a:xfrm>
           <a:prstGeom prst="rect">
@@ -4296,14 +4487,109 @@
         </p:blipFill>
         <p:spPr>
           <a:xfrm>
-            <a:off x="1729549" y="4971502"/>
-            <a:ext cx="2394776" cy="1781175"/>
+            <a:off x="1045967" y="4882719"/>
+            <a:ext cx="2735919" cy="1889556"/>
           </a:xfrm>
           <a:prstGeom prst="rect">
             <a:avLst/>
           </a:prstGeom>
         </p:spPr>
       </p:pic>
+      <p:sp>
+        <p:nvSpPr>
+          <p:cNvPr id="8" name="TextBox 7">
+            <a:extLst>
+              <a:ext uri="{FF2B5EF4-FFF2-40B4-BE49-F238E27FC236}">
+                <a16:creationId xmlns:a16="http://schemas.microsoft.com/office/drawing/2014/main" id="{0CB3ECDF-BA3B-448A-B16B-E3D2E98E450D}"/>
+              </a:ext>
+            </a:extLst>
+          </p:cNvPr>
+          <p:cNvSpPr txBox="1"/>
+          <p:nvPr/>
+        </p:nvSpPr>
+        <p:spPr>
+          <a:xfrm>
+            <a:off x="953053" y="4503863"/>
+            <a:ext cx="1106565" cy="400110"/>
+          </a:xfrm>
+          <a:prstGeom prst="rect">
+            <a:avLst/>
+          </a:prstGeom>
+          <a:noFill/>
+        </p:spPr>
+        <p:txBody>
+          <a:bodyPr wrap="square" rtlCol="0">
+            <a:spAutoFit/>
+          </a:bodyPr>
+          <a:lstStyle/>
+          <a:p>
+            <a:r>
+              <a:rPr lang="en-US" sz="2000" b="1" dirty="0">
+                <a:solidFill>
+                  <a:srgbClr val="FF0000"/>
+                </a:solidFill>
+              </a:rPr>
+              <a:t>Output :</a:t>
+            </a:r>
+            <a:endParaRPr lang="en-IN" sz="2000" b="1" dirty="0">
+              <a:solidFill>
+                <a:srgbClr val="FF0000"/>
+              </a:solidFill>
+            </a:endParaRPr>
+          </a:p>
+        </p:txBody>
+      </p:sp>
+      <p:sp>
+        <p:nvSpPr>
+          <p:cNvPr id="9" name="Rectangle 8">
+            <a:extLst>
+              <a:ext uri="{FF2B5EF4-FFF2-40B4-BE49-F238E27FC236}">
+                <a16:creationId xmlns:a16="http://schemas.microsoft.com/office/drawing/2014/main" id="{FE308ABA-0499-4BF8-8AE4-AF7A2901AC96}"/>
+              </a:ext>
+            </a:extLst>
+          </p:cNvPr>
+          <p:cNvSpPr/>
+          <p:nvPr/>
+        </p:nvSpPr>
+        <p:spPr>
+          <a:xfrm>
+            <a:off x="1045967" y="1088295"/>
+            <a:ext cx="3418500" cy="369332"/>
+          </a:xfrm>
+          <a:prstGeom prst="rect">
+            <a:avLst/>
+          </a:prstGeom>
+        </p:spPr>
+        <p:txBody>
+          <a:bodyPr wrap="none">
+            <a:spAutoFit/>
+          </a:bodyPr>
+          <a:lstStyle/>
+          <a:p>
+            <a:r>
+              <a:rPr lang="en-US" b="1" dirty="0">
+                <a:solidFill>
+                  <a:schemeClr val="accent1">
+                    <a:lumMod val="50000"/>
+                  </a:schemeClr>
+                </a:solidFill>
+                <a:latin typeface="Times New Roman" panose="02020603050405020304" pitchFamily="18" charset="0"/>
+                <a:cs typeface="Times New Roman" panose="02020603050405020304" pitchFamily="18" charset="0"/>
+              </a:rPr>
+              <a:t>Agents Avg. Satisfaction Rating :</a:t>
+            </a:r>
+            <a:endParaRPr lang="en-IN" b="1" dirty="0">
+              <a:solidFill>
+                <a:schemeClr val="accent1">
+                  <a:lumMod val="50000"/>
+                </a:schemeClr>
+              </a:solidFill>
+              <a:latin typeface="Times New Roman" panose="02020603050405020304" pitchFamily="18" charset="0"/>
+              <a:cs typeface="Times New Roman" panose="02020603050405020304" pitchFamily="18" charset="0"/>
+            </a:endParaRPr>
+          </a:p>
+        </p:txBody>
+      </p:sp>
     </p:spTree>
     <p:extLst>
       <p:ext uri="{BB962C8B-B14F-4D97-AF65-F5344CB8AC3E}">
@@ -4591,7 +4877,7 @@
         </p:blipFill>
         <p:spPr>
           <a:xfrm>
-            <a:off x="1790700" y="914400"/>
+            <a:off x="947321" y="914400"/>
             <a:ext cx="8639175" cy="5676900"/>
           </a:xfrm>
           <a:prstGeom prst="rect">
@@ -4599,6 +4885,57 @@
           </a:prstGeom>
         </p:spPr>
       </p:pic>
+      <p:sp>
+        <p:nvSpPr>
+          <p:cNvPr id="9" name="Rectangle 8">
+            <a:extLst>
+              <a:ext uri="{FF2B5EF4-FFF2-40B4-BE49-F238E27FC236}">
+                <a16:creationId xmlns:a16="http://schemas.microsoft.com/office/drawing/2014/main" id="{FA39E29A-1B21-4794-AFED-B97CD58AB841}"/>
+              </a:ext>
+            </a:extLst>
+          </p:cNvPr>
+          <p:cNvSpPr/>
+          <p:nvPr/>
+        </p:nvSpPr>
+        <p:spPr>
+          <a:xfrm>
+            <a:off x="947321" y="914400"/>
+            <a:ext cx="2196114" cy="369332"/>
+          </a:xfrm>
+          <a:prstGeom prst="rect">
+            <a:avLst/>
+          </a:prstGeom>
+        </p:spPr>
+        <p:txBody>
+          <a:bodyPr wrap="none">
+            <a:spAutoFit/>
+          </a:bodyPr>
+          <a:lstStyle/>
+          <a:p>
+            <a:r>
+              <a:rPr lang="en-US" b="1" dirty="0">
+                <a:solidFill>
+                  <a:schemeClr val="accent1">
+                    <a:lumMod val="50000"/>
+                  </a:schemeClr>
+                </a:solidFill>
+                <a:latin typeface="Times New Roman" panose="02020603050405020304" pitchFamily="18" charset="0"/>
+                <a:cs typeface="Times New Roman" panose="02020603050405020304" pitchFamily="18" charset="0"/>
+              </a:rPr>
+              <a:t>Agent Wise Report :</a:t>
+            </a:r>
+            <a:endParaRPr lang="en-IN" b="1" dirty="0">
+              <a:solidFill>
+                <a:schemeClr val="accent1">
+                  <a:lumMod val="50000"/>
+                </a:schemeClr>
+              </a:solidFill>
+              <a:latin typeface="Times New Roman" panose="02020603050405020304" pitchFamily="18" charset="0"/>
+              <a:cs typeface="Times New Roman" panose="02020603050405020304" pitchFamily="18" charset="0"/>
+            </a:endParaRPr>
+          </a:p>
+        </p:txBody>
+      </p:sp>
     </p:spTree>
     <p:extLst>
       <p:ext uri="{BB962C8B-B14F-4D97-AF65-F5344CB8AC3E}">
@@ -4886,14 +5223,58 @@
         </p:blipFill>
         <p:spPr>
           <a:xfrm>
-            <a:off x="862012" y="1404937"/>
-            <a:ext cx="7496600" cy="2824163"/>
+            <a:off x="862011" y="1404937"/>
+            <a:ext cx="7935759" cy="3069409"/>
           </a:xfrm>
           <a:prstGeom prst="rect">
             <a:avLst/>
           </a:prstGeom>
         </p:spPr>
       </p:pic>
+      <p:sp>
+        <p:nvSpPr>
+          <p:cNvPr id="8" name="TextBox 7">
+            <a:extLst>
+              <a:ext uri="{FF2B5EF4-FFF2-40B4-BE49-F238E27FC236}">
+                <a16:creationId xmlns:a16="http://schemas.microsoft.com/office/drawing/2014/main" id="{076C93C8-411C-4AC2-815B-115294E0B758}"/>
+              </a:ext>
+            </a:extLst>
+          </p:cNvPr>
+          <p:cNvSpPr txBox="1"/>
+          <p:nvPr/>
+        </p:nvSpPr>
+        <p:spPr>
+          <a:xfrm>
+            <a:off x="748867" y="1004827"/>
+            <a:ext cx="1106565" cy="400110"/>
+          </a:xfrm>
+          <a:prstGeom prst="rect">
+            <a:avLst/>
+          </a:prstGeom>
+          <a:noFill/>
+        </p:spPr>
+        <p:txBody>
+          <a:bodyPr wrap="square" rtlCol="0">
+            <a:spAutoFit/>
+          </a:bodyPr>
+          <a:lstStyle/>
+          <a:p>
+            <a:r>
+              <a:rPr lang="en-US" sz="2000" b="1" dirty="0">
+                <a:solidFill>
+                  <a:srgbClr val="FF0000"/>
+                </a:solidFill>
+              </a:rPr>
+              <a:t>Output :</a:t>
+            </a:r>
+            <a:endParaRPr lang="en-IN" sz="2000" b="1" dirty="0">
+              <a:solidFill>
+                <a:srgbClr val="FF0000"/>
+              </a:solidFill>
+            </a:endParaRPr>
+          </a:p>
+        </p:txBody>
+      </p:sp>
     </p:spTree>
     <p:extLst>
       <p:ext uri="{BB962C8B-B14F-4D97-AF65-F5344CB8AC3E}">
@@ -5181,7 +5562,7 @@
         </p:blipFill>
         <p:spPr>
           <a:xfrm>
-            <a:off x="1066800" y="1219200"/>
+            <a:off x="800470" y="1152495"/>
             <a:ext cx="10058400" cy="2209800"/>
           </a:xfrm>
           <a:prstGeom prst="rect">
@@ -5219,6 +5600,101 @@
           </a:prstGeom>
         </p:spPr>
       </p:pic>
+      <p:sp>
+        <p:nvSpPr>
+          <p:cNvPr id="8" name="TextBox 7">
+            <a:extLst>
+              <a:ext uri="{FF2B5EF4-FFF2-40B4-BE49-F238E27FC236}">
+                <a16:creationId xmlns:a16="http://schemas.microsoft.com/office/drawing/2014/main" id="{86A2528C-E0BA-477F-A6D9-509159D3159D}"/>
+              </a:ext>
+            </a:extLst>
+          </p:cNvPr>
+          <p:cNvSpPr txBox="1"/>
+          <p:nvPr/>
+        </p:nvSpPr>
+        <p:spPr>
+          <a:xfrm>
+            <a:off x="944176" y="4267140"/>
+            <a:ext cx="1106565" cy="400110"/>
+          </a:xfrm>
+          <a:prstGeom prst="rect">
+            <a:avLst/>
+          </a:prstGeom>
+          <a:noFill/>
+        </p:spPr>
+        <p:txBody>
+          <a:bodyPr wrap="square" rtlCol="0">
+            <a:spAutoFit/>
+          </a:bodyPr>
+          <a:lstStyle/>
+          <a:p>
+            <a:r>
+              <a:rPr lang="en-US" sz="2000" b="1" dirty="0">
+                <a:solidFill>
+                  <a:srgbClr val="FF0000"/>
+                </a:solidFill>
+              </a:rPr>
+              <a:t>Output :</a:t>
+            </a:r>
+            <a:endParaRPr lang="en-IN" sz="2000" b="1" dirty="0">
+              <a:solidFill>
+                <a:srgbClr val="FF0000"/>
+              </a:solidFill>
+            </a:endParaRPr>
+          </a:p>
+        </p:txBody>
+      </p:sp>
+      <p:sp>
+        <p:nvSpPr>
+          <p:cNvPr id="9" name="Rectangle 8">
+            <a:extLst>
+              <a:ext uri="{FF2B5EF4-FFF2-40B4-BE49-F238E27FC236}">
+                <a16:creationId xmlns:a16="http://schemas.microsoft.com/office/drawing/2014/main" id="{B17718E3-0472-43E2-80DB-D3DF71A5A99F}"/>
+              </a:ext>
+            </a:extLst>
+          </p:cNvPr>
+          <p:cNvSpPr/>
+          <p:nvPr/>
+        </p:nvSpPr>
+        <p:spPr>
+          <a:xfrm>
+            <a:off x="904211" y="1282368"/>
+            <a:ext cx="1847685" cy="369332"/>
+          </a:xfrm>
+          <a:prstGeom prst="rect">
+            <a:avLst/>
+          </a:prstGeom>
+        </p:spPr>
+        <p:txBody>
+          <a:bodyPr wrap="none">
+            <a:spAutoFit/>
+          </a:bodyPr>
+          <a:lstStyle/>
+          <a:p>
+            <a:r>
+              <a:rPr lang="en-US" b="1" dirty="0">
+                <a:solidFill>
+                  <a:schemeClr val="accent1">
+                    <a:lumMod val="50000"/>
+                  </a:schemeClr>
+                </a:solidFill>
+                <a:latin typeface="Times New Roman" panose="02020603050405020304" pitchFamily="18" charset="0"/>
+                <a:cs typeface="Times New Roman" panose="02020603050405020304" pitchFamily="18" charset="0"/>
+              </a:rPr>
+              <a:t>Calls Answered :</a:t>
+            </a:r>
+            <a:endParaRPr lang="en-IN" b="1" dirty="0">
+              <a:solidFill>
+                <a:schemeClr val="accent1">
+                  <a:lumMod val="50000"/>
+                </a:schemeClr>
+              </a:solidFill>
+              <a:latin typeface="Times New Roman" panose="02020603050405020304" pitchFamily="18" charset="0"/>
+              <a:cs typeface="Times New Roman" panose="02020603050405020304" pitchFamily="18" charset="0"/>
+            </a:endParaRPr>
+          </a:p>
+        </p:txBody>
+      </p:sp>
     </p:spTree>
     <p:extLst>
       <p:ext uri="{BB962C8B-B14F-4D97-AF65-F5344CB8AC3E}">
@@ -5544,6 +6020,101 @@
           </a:prstGeom>
         </p:spPr>
       </p:pic>
+      <p:sp>
+        <p:nvSpPr>
+          <p:cNvPr id="8" name="TextBox 7">
+            <a:extLst>
+              <a:ext uri="{FF2B5EF4-FFF2-40B4-BE49-F238E27FC236}">
+                <a16:creationId xmlns:a16="http://schemas.microsoft.com/office/drawing/2014/main" id="{392F94CC-1BAE-44C0-AC74-730E0FCA46E0}"/>
+              </a:ext>
+            </a:extLst>
+          </p:cNvPr>
+          <p:cNvSpPr txBox="1"/>
+          <p:nvPr/>
+        </p:nvSpPr>
+        <p:spPr>
+          <a:xfrm>
+            <a:off x="731112" y="3952784"/>
+            <a:ext cx="1106565" cy="400110"/>
+          </a:xfrm>
+          <a:prstGeom prst="rect">
+            <a:avLst/>
+          </a:prstGeom>
+          <a:noFill/>
+        </p:spPr>
+        <p:txBody>
+          <a:bodyPr wrap="square" rtlCol="0">
+            <a:spAutoFit/>
+          </a:bodyPr>
+          <a:lstStyle/>
+          <a:p>
+            <a:r>
+              <a:rPr lang="en-US" sz="2000" b="1" dirty="0">
+                <a:solidFill>
+                  <a:srgbClr val="FF0000"/>
+                </a:solidFill>
+              </a:rPr>
+              <a:t>Output :</a:t>
+            </a:r>
+            <a:endParaRPr lang="en-IN" sz="2000" b="1" dirty="0">
+              <a:solidFill>
+                <a:srgbClr val="FF0000"/>
+              </a:solidFill>
+            </a:endParaRPr>
+          </a:p>
+        </p:txBody>
+      </p:sp>
+      <p:sp>
+        <p:nvSpPr>
+          <p:cNvPr id="9" name="Rectangle 8">
+            <a:extLst>
+              <a:ext uri="{FF2B5EF4-FFF2-40B4-BE49-F238E27FC236}">
+                <a16:creationId xmlns:a16="http://schemas.microsoft.com/office/drawing/2014/main" id="{A34D1F8A-80C4-4414-874F-52E0D08894EC}"/>
+              </a:ext>
+            </a:extLst>
+          </p:cNvPr>
+          <p:cNvSpPr/>
+          <p:nvPr/>
+        </p:nvSpPr>
+        <p:spPr>
+          <a:xfrm>
+            <a:off x="877494" y="1368628"/>
+            <a:ext cx="1458797" cy="369332"/>
+          </a:xfrm>
+          <a:prstGeom prst="rect">
+            <a:avLst/>
+          </a:prstGeom>
+        </p:spPr>
+        <p:txBody>
+          <a:bodyPr wrap="none">
+            <a:spAutoFit/>
+          </a:bodyPr>
+          <a:lstStyle/>
+          <a:p>
+            <a:r>
+              <a:rPr lang="en-US" b="1" dirty="0">
+                <a:solidFill>
+                  <a:schemeClr val="accent1">
+                    <a:lumMod val="50000"/>
+                  </a:schemeClr>
+                </a:solidFill>
+                <a:latin typeface="Times New Roman" panose="02020603050405020304" pitchFamily="18" charset="0"/>
+                <a:cs typeface="Times New Roman" panose="02020603050405020304" pitchFamily="18" charset="0"/>
+              </a:rPr>
+              <a:t>Total Agent :</a:t>
+            </a:r>
+            <a:endParaRPr lang="en-IN" b="1" dirty="0">
+              <a:solidFill>
+                <a:schemeClr val="accent1">
+                  <a:lumMod val="50000"/>
+                </a:schemeClr>
+              </a:solidFill>
+              <a:latin typeface="Times New Roman" panose="02020603050405020304" pitchFamily="18" charset="0"/>
+              <a:cs typeface="Times New Roman" panose="02020603050405020304" pitchFamily="18" charset="0"/>
+            </a:endParaRPr>
+          </a:p>
+        </p:txBody>
+      </p:sp>
     </p:spTree>
     <p:extLst>
       <p:ext uri="{BB962C8B-B14F-4D97-AF65-F5344CB8AC3E}">
@@ -5831,7 +6402,7 @@
         </p:blipFill>
         <p:spPr>
           <a:xfrm>
-            <a:off x="1171575" y="833437"/>
+            <a:off x="807591" y="809686"/>
             <a:ext cx="9848850" cy="2219325"/>
           </a:xfrm>
           <a:prstGeom prst="rect">
@@ -5861,7 +6432,7 @@
         </p:blipFill>
         <p:spPr>
           <a:xfrm>
-            <a:off x="1171574" y="4229099"/>
+            <a:off x="803457" y="4229099"/>
             <a:ext cx="2796409" cy="942975"/>
           </a:xfrm>
           <a:prstGeom prst="rect">
@@ -5869,6 +6440,101 @@
           </a:prstGeom>
         </p:spPr>
       </p:pic>
+      <p:sp>
+        <p:nvSpPr>
+          <p:cNvPr id="8" name="TextBox 7">
+            <a:extLst>
+              <a:ext uri="{FF2B5EF4-FFF2-40B4-BE49-F238E27FC236}">
+                <a16:creationId xmlns:a16="http://schemas.microsoft.com/office/drawing/2014/main" id="{CF1A2EF0-E39F-411C-9D66-59B50A156FC4}"/>
+              </a:ext>
+            </a:extLst>
+          </p:cNvPr>
+          <p:cNvSpPr txBox="1"/>
+          <p:nvPr/>
+        </p:nvSpPr>
+        <p:spPr>
+          <a:xfrm>
+            <a:off x="803457" y="3828989"/>
+            <a:ext cx="1106565" cy="400110"/>
+          </a:xfrm>
+          <a:prstGeom prst="rect">
+            <a:avLst/>
+          </a:prstGeom>
+          <a:noFill/>
+        </p:spPr>
+        <p:txBody>
+          <a:bodyPr wrap="square" rtlCol="0">
+            <a:spAutoFit/>
+          </a:bodyPr>
+          <a:lstStyle/>
+          <a:p>
+            <a:r>
+              <a:rPr lang="en-US" sz="2000" b="1" dirty="0">
+                <a:solidFill>
+                  <a:srgbClr val="FF0000"/>
+                </a:solidFill>
+              </a:rPr>
+              <a:t>Output :</a:t>
+            </a:r>
+            <a:endParaRPr lang="en-IN" sz="2000" b="1" dirty="0">
+              <a:solidFill>
+                <a:srgbClr val="FF0000"/>
+              </a:solidFill>
+            </a:endParaRPr>
+          </a:p>
+        </p:txBody>
+      </p:sp>
+      <p:sp>
+        <p:nvSpPr>
+          <p:cNvPr id="9" name="Rectangle 8">
+            <a:extLst>
+              <a:ext uri="{FF2B5EF4-FFF2-40B4-BE49-F238E27FC236}">
+                <a16:creationId xmlns:a16="http://schemas.microsoft.com/office/drawing/2014/main" id="{46ED3473-521F-4341-A18E-41AAC94696DC}"/>
+              </a:ext>
+            </a:extLst>
+          </p:cNvPr>
+          <p:cNvSpPr/>
+          <p:nvPr/>
+        </p:nvSpPr>
+        <p:spPr>
+          <a:xfrm>
+            <a:off x="957484" y="924745"/>
+            <a:ext cx="1430841" cy="369332"/>
+          </a:xfrm>
+          <a:prstGeom prst="rect">
+            <a:avLst/>
+          </a:prstGeom>
+        </p:spPr>
+        <p:txBody>
+          <a:bodyPr wrap="none">
+            <a:spAutoFit/>
+          </a:bodyPr>
+          <a:lstStyle/>
+          <a:p>
+            <a:r>
+              <a:rPr lang="en-US" b="1" dirty="0">
+                <a:solidFill>
+                  <a:schemeClr val="accent1">
+                    <a:lumMod val="50000"/>
+                  </a:schemeClr>
+                </a:solidFill>
+                <a:latin typeface="Times New Roman" panose="02020603050405020304" pitchFamily="18" charset="0"/>
+                <a:cs typeface="Times New Roman" panose="02020603050405020304" pitchFamily="18" charset="0"/>
+              </a:rPr>
+              <a:t>Unresolved :</a:t>
+            </a:r>
+            <a:endParaRPr lang="en-IN" b="1" dirty="0">
+              <a:solidFill>
+                <a:schemeClr val="accent1">
+                  <a:lumMod val="50000"/>
+                </a:schemeClr>
+              </a:solidFill>
+              <a:latin typeface="Times New Roman" panose="02020603050405020304" pitchFamily="18" charset="0"/>
+              <a:cs typeface="Times New Roman" panose="02020603050405020304" pitchFamily="18" charset="0"/>
+            </a:endParaRPr>
+          </a:p>
+        </p:txBody>
+      </p:sp>
     </p:spTree>
     <p:extLst>
       <p:ext uri="{BB962C8B-B14F-4D97-AF65-F5344CB8AC3E}">
@@ -6156,8 +6822,8 @@
         </p:blipFill>
         <p:spPr>
           <a:xfrm>
-            <a:off x="1247775" y="981075"/>
-            <a:ext cx="9763125" cy="4305299"/>
+            <a:off x="846520" y="663238"/>
+            <a:ext cx="10108525" cy="4672242"/>
           </a:xfrm>
           <a:prstGeom prst="rect">
             <a:avLst/>
@@ -6186,7 +6852,7 @@
         </p:blipFill>
         <p:spPr>
           <a:xfrm>
-            <a:off x="609599" y="6162674"/>
+            <a:off x="846520" y="5946158"/>
             <a:ext cx="2731472" cy="609599"/>
           </a:xfrm>
           <a:prstGeom prst="rect">
@@ -6194,6 +6860,101 @@
           </a:prstGeom>
         </p:spPr>
       </p:pic>
+      <p:sp>
+        <p:nvSpPr>
+          <p:cNvPr id="8" name="TextBox 7">
+            <a:extLst>
+              <a:ext uri="{FF2B5EF4-FFF2-40B4-BE49-F238E27FC236}">
+                <a16:creationId xmlns:a16="http://schemas.microsoft.com/office/drawing/2014/main" id="{6A1191C4-CE92-438A-83D7-9C34D2345C6A}"/>
+              </a:ext>
+            </a:extLst>
+          </p:cNvPr>
+          <p:cNvSpPr txBox="1"/>
+          <p:nvPr/>
+        </p:nvSpPr>
+        <p:spPr>
+          <a:xfrm>
+            <a:off x="775499" y="5546048"/>
+            <a:ext cx="1106565" cy="400110"/>
+          </a:xfrm>
+          <a:prstGeom prst="rect">
+            <a:avLst/>
+          </a:prstGeom>
+          <a:noFill/>
+        </p:spPr>
+        <p:txBody>
+          <a:bodyPr wrap="square" rtlCol="0">
+            <a:spAutoFit/>
+          </a:bodyPr>
+          <a:lstStyle/>
+          <a:p>
+            <a:r>
+              <a:rPr lang="en-US" sz="2000" b="1" dirty="0">
+                <a:solidFill>
+                  <a:srgbClr val="FF0000"/>
+                </a:solidFill>
+              </a:rPr>
+              <a:t>Output :</a:t>
+            </a:r>
+            <a:endParaRPr lang="en-IN" sz="2000" b="1" dirty="0">
+              <a:solidFill>
+                <a:srgbClr val="FF0000"/>
+              </a:solidFill>
+            </a:endParaRPr>
+          </a:p>
+        </p:txBody>
+      </p:sp>
+      <p:sp>
+        <p:nvSpPr>
+          <p:cNvPr id="9" name="Rectangle 8">
+            <a:extLst>
+              <a:ext uri="{FF2B5EF4-FFF2-40B4-BE49-F238E27FC236}">
+                <a16:creationId xmlns:a16="http://schemas.microsoft.com/office/drawing/2014/main" id="{8E3F787E-1FBA-49B0-9D48-65B118C1F48D}"/>
+              </a:ext>
+            </a:extLst>
+          </p:cNvPr>
+          <p:cNvSpPr/>
+          <p:nvPr/>
+        </p:nvSpPr>
+        <p:spPr>
+          <a:xfrm>
+            <a:off x="846520" y="727176"/>
+            <a:ext cx="2352119" cy="369332"/>
+          </a:xfrm>
+          <a:prstGeom prst="rect">
+            <a:avLst/>
+          </a:prstGeom>
+        </p:spPr>
+        <p:txBody>
+          <a:bodyPr wrap="none">
+            <a:spAutoFit/>
+          </a:bodyPr>
+          <a:lstStyle/>
+          <a:p>
+            <a:r>
+              <a:rPr lang="en-US" b="1" dirty="0">
+                <a:solidFill>
+                  <a:schemeClr val="accent1">
+                    <a:lumMod val="50000"/>
+                  </a:schemeClr>
+                </a:solidFill>
+                <a:latin typeface="Times New Roman" panose="02020603050405020304" pitchFamily="18" charset="0"/>
+                <a:cs typeface="Times New Roman" panose="02020603050405020304" pitchFamily="18" charset="0"/>
+              </a:rPr>
+              <a:t>Avg. Resolved Time :</a:t>
+            </a:r>
+            <a:endParaRPr lang="en-IN" b="1" dirty="0">
+              <a:solidFill>
+                <a:schemeClr val="accent1">
+                  <a:lumMod val="50000"/>
+                </a:schemeClr>
+              </a:solidFill>
+              <a:latin typeface="Times New Roman" panose="02020603050405020304" pitchFamily="18" charset="0"/>
+              <a:cs typeface="Times New Roman" panose="02020603050405020304" pitchFamily="18" charset="0"/>
+            </a:endParaRPr>
+          </a:p>
+        </p:txBody>
+      </p:sp>
     </p:spTree>
     <p:extLst>
       <p:ext uri="{BB962C8B-B14F-4D97-AF65-F5344CB8AC3E}">
@@ -6511,7 +7272,7 @@
         </p:blipFill>
         <p:spPr>
           <a:xfrm>
-            <a:off x="1166812" y="6205536"/>
+            <a:off x="1166812" y="5983960"/>
             <a:ext cx="2994088" cy="566738"/>
           </a:xfrm>
           <a:prstGeom prst="rect">
@@ -6519,6 +7280,101 @@
           </a:prstGeom>
         </p:spPr>
       </p:pic>
+      <p:sp>
+        <p:nvSpPr>
+          <p:cNvPr id="8" name="TextBox 7">
+            <a:extLst>
+              <a:ext uri="{FF2B5EF4-FFF2-40B4-BE49-F238E27FC236}">
+                <a16:creationId xmlns:a16="http://schemas.microsoft.com/office/drawing/2014/main" id="{889E5E00-A3AC-4C48-B473-55442A207754}"/>
+              </a:ext>
+            </a:extLst>
+          </p:cNvPr>
+          <p:cNvSpPr txBox="1"/>
+          <p:nvPr/>
+        </p:nvSpPr>
+        <p:spPr>
+          <a:xfrm>
+            <a:off x="1095096" y="5586322"/>
+            <a:ext cx="1106565" cy="400110"/>
+          </a:xfrm>
+          <a:prstGeom prst="rect">
+            <a:avLst/>
+          </a:prstGeom>
+          <a:noFill/>
+        </p:spPr>
+        <p:txBody>
+          <a:bodyPr wrap="square" rtlCol="0">
+            <a:spAutoFit/>
+          </a:bodyPr>
+          <a:lstStyle/>
+          <a:p>
+            <a:r>
+              <a:rPr lang="en-US" sz="2000" b="1" dirty="0">
+                <a:solidFill>
+                  <a:srgbClr val="FF0000"/>
+                </a:solidFill>
+              </a:rPr>
+              <a:t>Output :</a:t>
+            </a:r>
+            <a:endParaRPr lang="en-IN" sz="2000" b="1" dirty="0">
+              <a:solidFill>
+                <a:srgbClr val="FF0000"/>
+              </a:solidFill>
+            </a:endParaRPr>
+          </a:p>
+        </p:txBody>
+      </p:sp>
+      <p:sp>
+        <p:nvSpPr>
+          <p:cNvPr id="9" name="Rectangle 8">
+            <a:extLst>
+              <a:ext uri="{FF2B5EF4-FFF2-40B4-BE49-F238E27FC236}">
+                <a16:creationId xmlns:a16="http://schemas.microsoft.com/office/drawing/2014/main" id="{617BBD64-E5AE-4DE1-A502-6CE6DEF0225D}"/>
+              </a:ext>
+            </a:extLst>
+          </p:cNvPr>
+          <p:cNvSpPr/>
+          <p:nvPr/>
+        </p:nvSpPr>
+        <p:spPr>
+          <a:xfrm>
+            <a:off x="1166812" y="966788"/>
+            <a:ext cx="1345240" cy="369332"/>
+          </a:xfrm>
+          <a:prstGeom prst="rect">
+            <a:avLst/>
+          </a:prstGeom>
+        </p:spPr>
+        <p:txBody>
+          <a:bodyPr wrap="none">
+            <a:spAutoFit/>
+          </a:bodyPr>
+          <a:lstStyle/>
+          <a:p>
+            <a:r>
+              <a:rPr lang="en-US" b="1" dirty="0">
+                <a:solidFill>
+                  <a:schemeClr val="accent1">
+                    <a:lumMod val="50000"/>
+                  </a:schemeClr>
+                </a:solidFill>
+                <a:latin typeface="Times New Roman" panose="02020603050405020304" pitchFamily="18" charset="0"/>
+                <a:cs typeface="Times New Roman" panose="02020603050405020304" pitchFamily="18" charset="0"/>
+              </a:rPr>
+              <a:t>Call Status:</a:t>
+            </a:r>
+            <a:endParaRPr lang="en-IN" b="1" dirty="0">
+              <a:solidFill>
+                <a:schemeClr val="accent1">
+                  <a:lumMod val="50000"/>
+                </a:schemeClr>
+              </a:solidFill>
+              <a:latin typeface="Times New Roman" panose="02020603050405020304" pitchFamily="18" charset="0"/>
+              <a:cs typeface="Times New Roman" panose="02020603050405020304" pitchFamily="18" charset="0"/>
+            </a:endParaRPr>
+          </a:p>
+        </p:txBody>
+      </p:sp>
     </p:spTree>
     <p:extLst>
       <p:ext uri="{BB962C8B-B14F-4D97-AF65-F5344CB8AC3E}">
@@ -6844,6 +7700,101 @@
           </a:prstGeom>
         </p:spPr>
       </p:pic>
+      <p:sp>
+        <p:nvSpPr>
+          <p:cNvPr id="8" name="TextBox 7">
+            <a:extLst>
+              <a:ext uri="{FF2B5EF4-FFF2-40B4-BE49-F238E27FC236}">
+                <a16:creationId xmlns:a16="http://schemas.microsoft.com/office/drawing/2014/main" id="{209D265C-2954-4FA6-BCBF-A1B2929087A1}"/>
+              </a:ext>
+            </a:extLst>
+          </p:cNvPr>
+          <p:cNvSpPr txBox="1"/>
+          <p:nvPr/>
+        </p:nvSpPr>
+        <p:spPr>
+          <a:xfrm>
+            <a:off x="882032" y="4743389"/>
+            <a:ext cx="1106565" cy="400110"/>
+          </a:xfrm>
+          <a:prstGeom prst="rect">
+            <a:avLst/>
+          </a:prstGeom>
+          <a:noFill/>
+        </p:spPr>
+        <p:txBody>
+          <a:bodyPr wrap="square" rtlCol="0">
+            <a:spAutoFit/>
+          </a:bodyPr>
+          <a:lstStyle/>
+          <a:p>
+            <a:r>
+              <a:rPr lang="en-US" sz="2000" b="1" dirty="0">
+                <a:solidFill>
+                  <a:srgbClr val="FF0000"/>
+                </a:solidFill>
+              </a:rPr>
+              <a:t>Output :</a:t>
+            </a:r>
+            <a:endParaRPr lang="en-IN" sz="2000" b="1" dirty="0">
+              <a:solidFill>
+                <a:srgbClr val="FF0000"/>
+              </a:solidFill>
+            </a:endParaRPr>
+          </a:p>
+        </p:txBody>
+      </p:sp>
+      <p:sp>
+        <p:nvSpPr>
+          <p:cNvPr id="9" name="Rectangle 8">
+            <a:extLst>
+              <a:ext uri="{FF2B5EF4-FFF2-40B4-BE49-F238E27FC236}">
+                <a16:creationId xmlns:a16="http://schemas.microsoft.com/office/drawing/2014/main" id="{8FD9DF12-FA78-4857-BD87-A8995E5B04A5}"/>
+              </a:ext>
+            </a:extLst>
+          </p:cNvPr>
+          <p:cNvSpPr/>
+          <p:nvPr/>
+        </p:nvSpPr>
+        <p:spPr>
+          <a:xfrm>
+            <a:off x="974693" y="1381126"/>
+            <a:ext cx="1717458" cy="369332"/>
+          </a:xfrm>
+          <a:prstGeom prst="rect">
+            <a:avLst/>
+          </a:prstGeom>
+        </p:spPr>
+        <p:txBody>
+          <a:bodyPr wrap="none">
+            <a:spAutoFit/>
+          </a:bodyPr>
+          <a:lstStyle/>
+          <a:p>
+            <a:r>
+              <a:rPr lang="en-US" b="1" dirty="0">
+                <a:solidFill>
+                  <a:schemeClr val="accent1">
+                    <a:lumMod val="50000"/>
+                  </a:schemeClr>
+                </a:solidFill>
+                <a:latin typeface="Times New Roman" panose="02020603050405020304" pitchFamily="18" charset="0"/>
+                <a:cs typeface="Times New Roman" panose="02020603050405020304" pitchFamily="18" charset="0"/>
+              </a:rPr>
+              <a:t>Calls by Topic :</a:t>
+            </a:r>
+            <a:endParaRPr lang="en-IN" b="1" dirty="0">
+              <a:solidFill>
+                <a:schemeClr val="accent1">
+                  <a:lumMod val="50000"/>
+                </a:schemeClr>
+              </a:solidFill>
+              <a:latin typeface="Times New Roman" panose="02020603050405020304" pitchFamily="18" charset="0"/>
+              <a:cs typeface="Times New Roman" panose="02020603050405020304" pitchFamily="18" charset="0"/>
+            </a:endParaRPr>
+          </a:p>
+        </p:txBody>
+      </p:sp>
     </p:spTree>
     <p:extLst>
       <p:ext uri="{BB962C8B-B14F-4D97-AF65-F5344CB8AC3E}">
@@ -7131,7 +8082,7 @@
         </p:blipFill>
         <p:spPr>
           <a:xfrm>
-            <a:off x="1469231" y="1319212"/>
+            <a:off x="1071133" y="1030844"/>
             <a:ext cx="9253537" cy="3566385"/>
           </a:xfrm>
           <a:prstGeom prst="rect">
@@ -7161,7 +8112,7 @@
         </p:blipFill>
         <p:spPr>
           <a:xfrm>
-            <a:off x="1469230" y="5457824"/>
+            <a:off x="1071133" y="5457824"/>
             <a:ext cx="4302919" cy="1314450"/>
           </a:xfrm>
           <a:prstGeom prst="rect">
@@ -7169,6 +8120,101 @@
           </a:prstGeom>
         </p:spPr>
       </p:pic>
+      <p:sp>
+        <p:nvSpPr>
+          <p:cNvPr id="8" name="TextBox 7">
+            <a:extLst>
+              <a:ext uri="{FF2B5EF4-FFF2-40B4-BE49-F238E27FC236}">
+                <a16:creationId xmlns:a16="http://schemas.microsoft.com/office/drawing/2014/main" id="{5E1ECCFE-BED5-4483-844C-7EDB94A74794}"/>
+              </a:ext>
+            </a:extLst>
+          </p:cNvPr>
+          <p:cNvSpPr txBox="1"/>
+          <p:nvPr/>
+        </p:nvSpPr>
+        <p:spPr>
+          <a:xfrm>
+            <a:off x="979686" y="5057714"/>
+            <a:ext cx="1106565" cy="400110"/>
+          </a:xfrm>
+          <a:prstGeom prst="rect">
+            <a:avLst/>
+          </a:prstGeom>
+          <a:noFill/>
+        </p:spPr>
+        <p:txBody>
+          <a:bodyPr wrap="square" rtlCol="0">
+            <a:spAutoFit/>
+          </a:bodyPr>
+          <a:lstStyle/>
+          <a:p>
+            <a:r>
+              <a:rPr lang="en-US" sz="2000" b="1" dirty="0">
+                <a:solidFill>
+                  <a:srgbClr val="FF0000"/>
+                </a:solidFill>
+              </a:rPr>
+              <a:t>Output :</a:t>
+            </a:r>
+            <a:endParaRPr lang="en-IN" sz="2000" b="1" dirty="0">
+              <a:solidFill>
+                <a:srgbClr val="FF0000"/>
+              </a:solidFill>
+            </a:endParaRPr>
+          </a:p>
+        </p:txBody>
+      </p:sp>
+      <p:sp>
+        <p:nvSpPr>
+          <p:cNvPr id="9" name="Rectangle 8">
+            <a:extLst>
+              <a:ext uri="{FF2B5EF4-FFF2-40B4-BE49-F238E27FC236}">
+                <a16:creationId xmlns:a16="http://schemas.microsoft.com/office/drawing/2014/main" id="{5C046C49-12EB-4192-A599-6AEE5D518B34}"/>
+              </a:ext>
+            </a:extLst>
+          </p:cNvPr>
+          <p:cNvSpPr/>
+          <p:nvPr/>
+        </p:nvSpPr>
+        <p:spPr>
+          <a:xfrm>
+            <a:off x="1059386" y="1030843"/>
+            <a:ext cx="5282856" cy="369332"/>
+          </a:xfrm>
+          <a:prstGeom prst="rect">
+            <a:avLst/>
+          </a:prstGeom>
+        </p:spPr>
+        <p:txBody>
+          <a:bodyPr wrap="none">
+            <a:spAutoFit/>
+          </a:bodyPr>
+          <a:lstStyle/>
+          <a:p>
+            <a:r>
+              <a:rPr lang="en-US" b="1" dirty="0">
+                <a:solidFill>
+                  <a:schemeClr val="accent1">
+                    <a:lumMod val="50000"/>
+                  </a:schemeClr>
+                </a:solidFill>
+                <a:latin typeface="Times New Roman" panose="02020603050405020304" pitchFamily="18" charset="0"/>
+                <a:cs typeface="Times New Roman" panose="02020603050405020304" pitchFamily="18" charset="0"/>
+              </a:rPr>
+              <a:t>Total Calls, Resolved and Unresolved call by Topic :</a:t>
+            </a:r>
+            <a:endParaRPr lang="en-IN" b="1" dirty="0">
+              <a:solidFill>
+                <a:schemeClr val="accent1">
+                  <a:lumMod val="50000"/>
+                </a:schemeClr>
+              </a:solidFill>
+              <a:latin typeface="Times New Roman" panose="02020603050405020304" pitchFamily="18" charset="0"/>
+              <a:cs typeface="Times New Roman" panose="02020603050405020304" pitchFamily="18" charset="0"/>
+            </a:endParaRPr>
+          </a:p>
+        </p:txBody>
+      </p:sp>
     </p:spTree>
     <p:extLst>
       <p:ext uri="{BB962C8B-B14F-4D97-AF65-F5344CB8AC3E}">
@@ -7486,7 +8532,7 @@
         </p:blipFill>
         <p:spPr>
           <a:xfrm>
-            <a:off x="965493" y="5158881"/>
+            <a:off x="965493" y="4997016"/>
             <a:ext cx="2920707" cy="1628775"/>
           </a:xfrm>
           <a:prstGeom prst="rect">
@@ -7494,6 +8540,101 @@
           </a:prstGeom>
         </p:spPr>
       </p:pic>
+      <p:sp>
+        <p:nvSpPr>
+          <p:cNvPr id="8" name="TextBox 7">
+            <a:extLst>
+              <a:ext uri="{FF2B5EF4-FFF2-40B4-BE49-F238E27FC236}">
+                <a16:creationId xmlns:a16="http://schemas.microsoft.com/office/drawing/2014/main" id="{6F3B3D0A-AE60-40EF-85C6-DB7AB42241A2}"/>
+              </a:ext>
+            </a:extLst>
+          </p:cNvPr>
+          <p:cNvSpPr txBox="1"/>
+          <p:nvPr/>
+        </p:nvSpPr>
+        <p:spPr>
+          <a:xfrm>
+            <a:off x="855399" y="4596906"/>
+            <a:ext cx="1106565" cy="400110"/>
+          </a:xfrm>
+          <a:prstGeom prst="rect">
+            <a:avLst/>
+          </a:prstGeom>
+          <a:noFill/>
+        </p:spPr>
+        <p:txBody>
+          <a:bodyPr wrap="square" rtlCol="0">
+            <a:spAutoFit/>
+          </a:bodyPr>
+          <a:lstStyle/>
+          <a:p>
+            <a:r>
+              <a:rPr lang="en-US" sz="2000" b="1" dirty="0">
+                <a:solidFill>
+                  <a:srgbClr val="FF0000"/>
+                </a:solidFill>
+              </a:rPr>
+              <a:t>Output :</a:t>
+            </a:r>
+            <a:endParaRPr lang="en-IN" sz="2000" b="1" dirty="0">
+              <a:solidFill>
+                <a:srgbClr val="FF0000"/>
+              </a:solidFill>
+            </a:endParaRPr>
+          </a:p>
+        </p:txBody>
+      </p:sp>
+      <p:sp>
+        <p:nvSpPr>
+          <p:cNvPr id="9" name="Rectangle 8">
+            <a:extLst>
+              <a:ext uri="{FF2B5EF4-FFF2-40B4-BE49-F238E27FC236}">
+                <a16:creationId xmlns:a16="http://schemas.microsoft.com/office/drawing/2014/main" id="{5A80D15E-1A4F-47C2-8EC1-FD03B7196358}"/>
+              </a:ext>
+            </a:extLst>
+          </p:cNvPr>
+          <p:cNvSpPr/>
+          <p:nvPr/>
+        </p:nvSpPr>
+        <p:spPr>
+          <a:xfrm>
+            <a:off x="965493" y="1209675"/>
+            <a:ext cx="2288191" cy="369332"/>
+          </a:xfrm>
+          <a:prstGeom prst="rect">
+            <a:avLst/>
+          </a:prstGeom>
+        </p:spPr>
+        <p:txBody>
+          <a:bodyPr wrap="none">
+            <a:spAutoFit/>
+          </a:bodyPr>
+          <a:lstStyle/>
+          <a:p>
+            <a:r>
+              <a:rPr lang="en-US" b="1" dirty="0">
+                <a:solidFill>
+                  <a:schemeClr val="accent1">
+                    <a:lumMod val="50000"/>
+                  </a:schemeClr>
+                </a:solidFill>
+                <a:latin typeface="Times New Roman" panose="02020603050405020304" pitchFamily="18" charset="0"/>
+                <a:cs typeface="Times New Roman" panose="02020603050405020304" pitchFamily="18" charset="0"/>
+              </a:rPr>
+              <a:t>Total Calls by Week :</a:t>
+            </a:r>
+            <a:endParaRPr lang="en-IN" b="1" dirty="0">
+              <a:solidFill>
+                <a:schemeClr val="accent1">
+                  <a:lumMod val="50000"/>
+                </a:schemeClr>
+              </a:solidFill>
+              <a:latin typeface="Times New Roman" panose="02020603050405020304" pitchFamily="18" charset="0"/>
+              <a:cs typeface="Times New Roman" panose="02020603050405020304" pitchFamily="18" charset="0"/>
+            </a:endParaRPr>
+          </a:p>
+        </p:txBody>
+      </p:sp>
     </p:spTree>
     <p:extLst>
       <p:ext uri="{BB962C8B-B14F-4D97-AF65-F5344CB8AC3E}">
